--- a/Arbres_désicion_CORTES.pptx
+++ b/Arbres_désicion_CORTES.pptx
@@ -266,7 +266,41 @@
       </a:defRPr>
     </a:lvl9pPr>
   </p:defaultTextStyle>
+  <p:extLst>
+    <p:ext uri="{EFAFB233-063F-42B5-8137-9DF3F51BA10A}">
+      <p15:sldGuideLst xmlns:p15="http://schemas.microsoft.com/office/powerpoint/2012/main"/>
+    </p:ext>
+  </p:extLst>
 </p:presentation>
+</file>
+
+<file path=ppt/changesInfos/changesInfo1.xml><?xml version="1.0" encoding="utf-8"?>
+<pc:chgInfo xmlns:a="http://schemas.openxmlformats.org/drawingml/2006/main" xmlns:r="http://schemas.openxmlformats.org/officeDocument/2006/relationships" xmlns:ac="http://schemas.microsoft.com/office/drawing/2013/main/command" xmlns:pc="http://schemas.microsoft.com/office/powerpoint/2013/main/command">
+  <pc:docChgLst>
+    <pc:chgData name="carlos_andres cortes_miranda" userId="af724a00f037adb1" providerId="LiveId" clId="{AB11C359-5A62-4A41-B4B4-2B88270D4F62}"/>
+    <pc:docChg chg="undo custSel modSld">
+      <pc:chgData name="carlos_andres cortes_miranda" userId="af724a00f037adb1" providerId="LiveId" clId="{AB11C359-5A62-4A41-B4B4-2B88270D4F62}" dt="2023-03-12T14:04:32.901" v="23"/>
+      <pc:docMkLst>
+        <pc:docMk/>
+      </pc:docMkLst>
+      <pc:sldChg chg="modSp mod">
+        <pc:chgData name="carlos_andres cortes_miranda" userId="af724a00f037adb1" providerId="LiveId" clId="{AB11C359-5A62-4A41-B4B4-2B88270D4F62}" dt="2023-03-12T14:04:32.901" v="23"/>
+        <pc:sldMkLst>
+          <pc:docMk/>
+          <pc:sldMk cId="0" sldId="256"/>
+        </pc:sldMkLst>
+        <pc:spChg chg="mod">
+          <ac:chgData name="carlos_andres cortes_miranda" userId="af724a00f037adb1" providerId="LiveId" clId="{AB11C359-5A62-4A41-B4B4-2B88270D4F62}" dt="2023-03-12T14:04:32.901" v="23"/>
+          <ac:spMkLst>
+            <pc:docMk/>
+            <pc:sldMk cId="0" sldId="256"/>
+            <ac:spMk id="483" creationId="{00000000-0000-0000-0000-000000000000}"/>
+          </ac:spMkLst>
+        </pc:spChg>
+      </pc:sldChg>
+    </pc:docChg>
+  </pc:docChgLst>
+</pc:chgInfo>
 </file>
 
 <file path=ppt/notesMasters/notesMaster1.xml><?xml version="1.0" encoding="utf-8"?>
@@ -7571,14 +7605,38 @@
               <a:buNone/>
             </a:pPr>
             <a:r>
-              <a:rPr lang="en">
+              <a:rPr lang="en" dirty="0">
                 <a:solidFill>
                   <a:schemeClr val="dk1"/>
                 </a:solidFill>
               </a:rPr>
-              <a:t>Here is where your presentation begins</a:t>
-            </a:r>
-            <a:endParaRPr/>
+              <a:t>GITHub lien: </a:t>
+            </a:r>
+          </a:p>
+          <a:p>
+            <a:pPr marL="0" lvl="0" indent="0" algn="ctr" rtl="0">
+              <a:spcBef>
+                <a:spcPts val="0"/>
+              </a:spcBef>
+              <a:spcAft>
+                <a:spcPts val="0"/>
+              </a:spcAft>
+              <a:buClr>
+                <a:schemeClr val="dk1"/>
+              </a:buClr>
+              <a:buSzPts val="1100"/>
+              <a:buFont typeface="Arial"/>
+              <a:buNone/>
+            </a:pPr>
+            <a:r>
+              <a:rPr lang="fr-FR" dirty="0">
+                <a:solidFill>
+                  <a:schemeClr val="dk1"/>
+                </a:solidFill>
+              </a:rPr>
+              <a:t>https://github.com/cortesmc/-Arbres_decision_CORTES.git</a:t>
+            </a:r>
+            <a:endParaRPr dirty="0"/>
           </a:p>
         </p:txBody>
       </p:sp>
